--- a/doc/DDSimulation_Graphical.pptx
+++ b/doc/DDSimulation_Graphical.pptx
@@ -18,7 +18,10 @@
     <p:sldId id="262" r:id="rId12"/>
     <p:sldId id="265" r:id="rId13"/>
     <p:sldId id="264" r:id="rId14"/>
-    <p:sldId id="263" r:id="rId15"/>
+    <p:sldId id="270" r:id="rId15"/>
+    <p:sldId id="272" r:id="rId16"/>
+    <p:sldId id="271" r:id="rId17"/>
+    <p:sldId id="263" r:id="rId18"/>
   </p:sldIdLst>
   <p:sldSz cx="9144000" cy="6858000" type="screen4x3"/>
   <p:notesSz cx="6858000" cy="9144000"/>
@@ -301,7 +304,7 @@
           <a:p>
             <a:fld id="{022E4692-C727-B144-B040-60D9A52E845A}" type="datetimeFigureOut">
               <a:rPr lang="en-US" smtClean="0"/>
-              <a:t>12-03-19</a:t>
+              <a:t>12-03-20</a:t>
             </a:fld>
             <a:endParaRPr lang="en-US"/>
           </a:p>
@@ -471,7 +474,7 @@
           <a:p>
             <a:fld id="{022E4692-C727-B144-B040-60D9A52E845A}" type="datetimeFigureOut">
               <a:rPr lang="en-US" smtClean="0"/>
-              <a:t>12-03-19</a:t>
+              <a:t>12-03-20</a:t>
             </a:fld>
             <a:endParaRPr lang="en-US"/>
           </a:p>
@@ -651,7 +654,7 @@
           <a:p>
             <a:fld id="{022E4692-C727-B144-B040-60D9A52E845A}" type="datetimeFigureOut">
               <a:rPr lang="en-US" smtClean="0"/>
-              <a:t>12-03-19</a:t>
+              <a:t>12-03-20</a:t>
             </a:fld>
             <a:endParaRPr lang="en-US"/>
           </a:p>
@@ -821,7 +824,7 @@
           <a:p>
             <a:fld id="{022E4692-C727-B144-B040-60D9A52E845A}" type="datetimeFigureOut">
               <a:rPr lang="en-US" smtClean="0"/>
-              <a:t>12-03-19</a:t>
+              <a:t>12-03-20</a:t>
             </a:fld>
             <a:endParaRPr lang="en-US"/>
           </a:p>
@@ -1067,7 +1070,7 @@
           <a:p>
             <a:fld id="{022E4692-C727-B144-B040-60D9A52E845A}" type="datetimeFigureOut">
               <a:rPr lang="en-US" smtClean="0"/>
-              <a:t>12-03-19</a:t>
+              <a:t>12-03-20</a:t>
             </a:fld>
             <a:endParaRPr lang="en-US"/>
           </a:p>
@@ -1355,7 +1358,7 @@
           <a:p>
             <a:fld id="{022E4692-C727-B144-B040-60D9A52E845A}" type="datetimeFigureOut">
               <a:rPr lang="en-US" smtClean="0"/>
-              <a:t>12-03-19</a:t>
+              <a:t>12-03-20</a:t>
             </a:fld>
             <a:endParaRPr lang="en-US"/>
           </a:p>
@@ -1777,7 +1780,7 @@
           <a:p>
             <a:fld id="{022E4692-C727-B144-B040-60D9A52E845A}" type="datetimeFigureOut">
               <a:rPr lang="en-US" smtClean="0"/>
-              <a:t>12-03-19</a:t>
+              <a:t>12-03-20</a:t>
             </a:fld>
             <a:endParaRPr lang="en-US"/>
           </a:p>
@@ -1895,7 +1898,7 @@
           <a:p>
             <a:fld id="{022E4692-C727-B144-B040-60D9A52E845A}" type="datetimeFigureOut">
               <a:rPr lang="en-US" smtClean="0"/>
-              <a:t>12-03-19</a:t>
+              <a:t>12-03-20</a:t>
             </a:fld>
             <a:endParaRPr lang="en-US"/>
           </a:p>
@@ -1990,7 +1993,7 @@
           <a:p>
             <a:fld id="{022E4692-C727-B144-B040-60D9A52E845A}" type="datetimeFigureOut">
               <a:rPr lang="en-US" smtClean="0"/>
-              <a:t>12-03-19</a:t>
+              <a:t>12-03-20</a:t>
             </a:fld>
             <a:endParaRPr lang="en-US"/>
           </a:p>
@@ -2267,7 +2270,7 @@
           <a:p>
             <a:fld id="{022E4692-C727-B144-B040-60D9A52E845A}" type="datetimeFigureOut">
               <a:rPr lang="en-US" smtClean="0"/>
-              <a:t>12-03-19</a:t>
+              <a:t>12-03-20</a:t>
             </a:fld>
             <a:endParaRPr lang="en-US"/>
           </a:p>
@@ -2520,7 +2523,7 @@
           <a:p>
             <a:fld id="{022E4692-C727-B144-B040-60D9A52E845A}" type="datetimeFigureOut">
               <a:rPr lang="en-US" smtClean="0"/>
-              <a:t>12-03-19</a:t>
+              <a:t>12-03-20</a:t>
             </a:fld>
             <a:endParaRPr lang="en-US"/>
           </a:p>
@@ -2733,7 +2736,7 @@
           <a:p>
             <a:fld id="{022E4692-C727-B144-B040-60D9A52E845A}" type="datetimeFigureOut">
               <a:rPr lang="en-US" smtClean="0"/>
-              <a:t>12-03-19</a:t>
+              <a:t>12-03-20</a:t>
             </a:fld>
             <a:endParaRPr lang="en-US"/>
           </a:p>
@@ -3530,6 +3533,268 @@
       </p:grpSpPr>
       <p:sp>
         <p:nvSpPr>
+          <p:cNvPr id="4" name="Title 3"/>
+          <p:cNvSpPr>
+            <a:spLocks noGrp="1"/>
+          </p:cNvSpPr>
+          <p:nvPr>
+            <p:ph type="title"/>
+          </p:nvPr>
+        </p:nvSpPr>
+        <p:spPr/>
+        <p:txBody>
+          <a:bodyPr/>
+          <a:lstStyle/>
+          <a:p>
+            <a:r>
+              <a:rPr lang="en-US" dirty="0" smtClean="0"/>
+              <a:t>Plotting</a:t>
+            </a:r>
+            <a:endParaRPr lang="en-US" dirty="0"/>
+          </a:p>
+        </p:txBody>
+      </p:sp>
+      <p:sp>
+        <p:nvSpPr>
+          <p:cNvPr id="5" name="Text Placeholder 4"/>
+          <p:cNvSpPr>
+            <a:spLocks noGrp="1"/>
+          </p:cNvSpPr>
+          <p:nvPr>
+            <p:ph type="body" idx="1"/>
+          </p:nvPr>
+        </p:nvSpPr>
+        <p:spPr/>
+        <p:txBody>
+          <a:bodyPr/>
+          <a:lstStyle/>
+          <a:p>
+            <a:r>
+              <a:rPr lang="en-US" dirty="0" err="1" smtClean="0"/>
+              <a:t>dd.ui.plot</a:t>
+            </a:r>
+            <a:endParaRPr lang="en-US" dirty="0"/>
+          </a:p>
+        </p:txBody>
+      </p:sp>
+    </p:spTree>
+    <p:extLst>
+      <p:ext uri="{BB962C8B-B14F-4D97-AF65-F5344CB8AC3E}">
+        <p14:creationId xmlns:p14="http://schemas.microsoft.com/office/powerpoint/2010/main" val="3782087950"/>
+      </p:ext>
+    </p:extLst>
+  </p:cSld>
+  <p:clrMapOvr>
+    <a:masterClrMapping/>
+  </p:clrMapOvr>
+</p:sld>
+</file>
+
+<file path=ppt/slides/slide15.xml><?xml version="1.0" encoding="utf-8"?>
+<p:sld xmlns:a="http://schemas.openxmlformats.org/drawingml/2006/main" xmlns:r="http://schemas.openxmlformats.org/officeDocument/2006/relationships" xmlns:p="http://schemas.openxmlformats.org/presentationml/2006/main">
+  <p:cSld>
+    <p:spTree>
+      <p:nvGrpSpPr>
+        <p:cNvPr id="1" name=""/>
+        <p:cNvGrpSpPr/>
+        <p:nvPr/>
+      </p:nvGrpSpPr>
+      <p:grpSpPr>
+        <a:xfrm>
+          <a:off x="0" y="0"/>
+          <a:ext cx="0" cy="0"/>
+          <a:chOff x="0" y="0"/>
+          <a:chExt cx="0" cy="0"/>
+        </a:xfrm>
+      </p:grpSpPr>
+      <p:sp>
+        <p:nvSpPr>
+          <p:cNvPr id="4" name="Title 3"/>
+          <p:cNvSpPr>
+            <a:spLocks noGrp="1"/>
+          </p:cNvSpPr>
+          <p:nvPr>
+            <p:ph type="title"/>
+          </p:nvPr>
+        </p:nvSpPr>
+        <p:spPr/>
+        <p:txBody>
+          <a:bodyPr/>
+          <a:lstStyle/>
+          <a:p>
+            <a:r>
+              <a:rPr lang="en-US" dirty="0" smtClean="0"/>
+              <a:t>Included Plot</a:t>
+            </a:r>
+            <a:endParaRPr lang="en-US" dirty="0"/>
+          </a:p>
+        </p:txBody>
+      </p:sp>
+      <p:sp>
+        <p:nvSpPr>
+          <p:cNvPr id="5" name="Content Placeholder 4"/>
+          <p:cNvSpPr>
+            <a:spLocks noGrp="1"/>
+          </p:cNvSpPr>
+          <p:nvPr>
+            <p:ph idx="1"/>
+          </p:nvPr>
+        </p:nvSpPr>
+        <p:spPr/>
+        <p:txBody>
+          <a:bodyPr/>
+          <a:lstStyle/>
+          <a:p>
+            <a:r>
+              <a:rPr lang="en-US" dirty="0" err="1" smtClean="0"/>
+              <a:t>dd.ui.VariancePlot</a:t>
+            </a:r>
+            <a:r>
+              <a:rPr lang="en-US" dirty="0" smtClean="0"/>
+              <a:t> gives the node energy variance that implements the usage</a:t>
+            </a:r>
+          </a:p>
+          <a:p>
+            <a:r>
+              <a:rPr lang="en-US" dirty="0" smtClean="0"/>
+              <a:t>It extends </a:t>
+            </a:r>
+            <a:r>
+              <a:rPr lang="en-US" dirty="0" err="1" smtClean="0"/>
+              <a:t>dd.ui.plot.PlotFrame</a:t>
+            </a:r>
+            <a:r>
+              <a:rPr lang="en-US" dirty="0" smtClean="0"/>
+              <a:t> to provide </a:t>
+            </a:r>
+            <a:r>
+              <a:rPr lang="en-US" smtClean="0"/>
+              <a:t>the plot</a:t>
+            </a:r>
+            <a:endParaRPr lang="en-US" dirty="0"/>
+          </a:p>
+        </p:txBody>
+      </p:sp>
+    </p:spTree>
+    <p:extLst>
+      <p:ext uri="{BB962C8B-B14F-4D97-AF65-F5344CB8AC3E}">
+        <p14:creationId xmlns:p14="http://schemas.microsoft.com/office/powerpoint/2010/main" val="924463522"/>
+      </p:ext>
+    </p:extLst>
+  </p:cSld>
+  <p:clrMapOvr>
+    <a:masterClrMapping/>
+  </p:clrMapOvr>
+</p:sld>
+</file>
+
+<file path=ppt/slides/slide16.xml><?xml version="1.0" encoding="utf-8"?>
+<p:sld xmlns:a="http://schemas.openxmlformats.org/drawingml/2006/main" xmlns:r="http://schemas.openxmlformats.org/officeDocument/2006/relationships" xmlns:p="http://schemas.openxmlformats.org/presentationml/2006/main">
+  <p:cSld>
+    <p:spTree>
+      <p:nvGrpSpPr>
+        <p:cNvPr id="1" name=""/>
+        <p:cNvGrpSpPr/>
+        <p:nvPr/>
+      </p:nvGrpSpPr>
+      <p:grpSpPr>
+        <a:xfrm>
+          <a:off x="0" y="0"/>
+          <a:ext cx="0" cy="0"/>
+          <a:chOff x="0" y="0"/>
+          <a:chExt cx="0" cy="0"/>
+        </a:xfrm>
+      </p:grpSpPr>
+      <p:sp>
+        <p:nvSpPr>
+          <p:cNvPr id="4" name="Title 3"/>
+          <p:cNvSpPr>
+            <a:spLocks noGrp="1"/>
+          </p:cNvSpPr>
+          <p:nvPr>
+            <p:ph type="title"/>
+          </p:nvPr>
+        </p:nvSpPr>
+        <p:spPr/>
+        <p:txBody>
+          <a:bodyPr/>
+          <a:lstStyle/>
+          <a:p>
+            <a:r>
+              <a:rPr lang="en-US" dirty="0" smtClean="0"/>
+              <a:t>Changing Plots</a:t>
+            </a:r>
+            <a:endParaRPr lang="en-US" dirty="0"/>
+          </a:p>
+        </p:txBody>
+      </p:sp>
+      <p:sp>
+        <p:nvSpPr>
+          <p:cNvPr id="5" name="Content Placeholder 4"/>
+          <p:cNvSpPr>
+            <a:spLocks noGrp="1"/>
+          </p:cNvSpPr>
+          <p:nvPr>
+            <p:ph idx="1"/>
+          </p:nvPr>
+        </p:nvSpPr>
+        <p:spPr/>
+        <p:txBody>
+          <a:bodyPr/>
+          <a:lstStyle/>
+          <a:p>
+            <a:r>
+              <a:rPr lang="en-US" dirty="0" err="1" smtClean="0"/>
+              <a:t>getTrace</a:t>
+            </a:r>
+            <a:r>
+              <a:rPr lang="en-US" dirty="0" smtClean="0"/>
+              <a:t> is fallback – use only when </a:t>
+            </a:r>
+            <a:r>
+              <a:rPr lang="en-US" dirty="0" err="1" smtClean="0"/>
+              <a:t>accessor</a:t>
+            </a:r>
+            <a:r>
+              <a:rPr lang="en-US" dirty="0" smtClean="0"/>
+              <a:t> does not meet requirements</a:t>
+            </a:r>
+            <a:endParaRPr lang="en-US" dirty="0"/>
+          </a:p>
+        </p:txBody>
+      </p:sp>
+    </p:spTree>
+    <p:extLst>
+      <p:ext uri="{BB962C8B-B14F-4D97-AF65-F5344CB8AC3E}">
+        <p14:creationId xmlns:p14="http://schemas.microsoft.com/office/powerpoint/2010/main" val="2738371152"/>
+      </p:ext>
+    </p:extLst>
+  </p:cSld>
+  <p:clrMapOvr>
+    <a:masterClrMapping/>
+  </p:clrMapOvr>
+</p:sld>
+</file>
+
+<file path=ppt/slides/slide17.xml><?xml version="1.0" encoding="utf-8"?>
+<p:sld xmlns:a="http://schemas.openxmlformats.org/drawingml/2006/main" xmlns:r="http://schemas.openxmlformats.org/officeDocument/2006/relationships" xmlns:p="http://schemas.openxmlformats.org/presentationml/2006/main">
+  <p:cSld>
+    <p:spTree>
+      <p:nvGrpSpPr>
+        <p:cNvPr id="1" name=""/>
+        <p:cNvGrpSpPr/>
+        <p:nvPr/>
+      </p:nvGrpSpPr>
+      <p:grpSpPr>
+        <a:xfrm>
+          <a:off x="0" y="0"/>
+          <a:ext cx="0" cy="0"/>
+          <a:chOff x="0" y="0"/>
+          <a:chExt cx="0" cy="0"/>
+        </a:xfrm>
+      </p:grpSpPr>
+      <p:sp>
+        <p:nvSpPr>
           <p:cNvPr id="2" name="Title 1"/>
           <p:cNvSpPr>
             <a:spLocks noGrp="1"/>
@@ -3842,7 +4107,19 @@
             </a:r>
             <a:r>
               <a:rPr lang="en-US" dirty="0" err="1" smtClean="0"/>
-              <a:t>dd.ui.event</a:t>
+              <a:t>dd.ui.list</a:t>
+            </a:r>
+            <a:endParaRPr lang="en-US" dirty="0"/>
+          </a:p>
+          <a:p>
+            <a:pPr lvl="1"/>
+            <a:r>
+              <a:rPr lang="en-US" dirty="0" smtClean="0"/>
+              <a:t>Tests: </a:t>
+            </a:r>
+            <a:r>
+              <a:rPr lang="en-US" dirty="0" err="1" smtClean="0"/>
+              <a:t>dd.ui.test</a:t>
             </a:r>
             <a:endParaRPr lang="en-US" dirty="0" smtClean="0"/>
           </a:p>
@@ -3987,8 +4264,28 @@
             </a:r>
             <a:r>
               <a:rPr lang="en-US" dirty="0" smtClean="0"/>
-              <a:t>: a basic example with the JChart2D library</a:t>
-            </a:r>
+              <a:t>: a basic example with the JChart2D </a:t>
+            </a:r>
+            <a:r>
+              <a:rPr lang="en-US" dirty="0" smtClean="0"/>
+              <a:t>library</a:t>
+            </a:r>
+          </a:p>
+          <a:p>
+            <a:pPr lvl="1"/>
+            <a:r>
+              <a:rPr lang="en-US" dirty="0" err="1" smtClean="0"/>
+              <a:t>VariancePlotTest</a:t>
+            </a:r>
+            <a:r>
+              <a:rPr lang="en-US" dirty="0" smtClean="0"/>
+              <a:t>: runs the same as </a:t>
+            </a:r>
+            <a:r>
+              <a:rPr lang="en-US" dirty="0" err="1" smtClean="0"/>
+              <a:t>dd.NodeTest</a:t>
+            </a:r>
+            <a:endParaRPr lang="en-US" dirty="0" smtClean="0"/>
           </a:p>
           <a:p>
             <a:pPr lvl="1"/>

--- a/doc/DDSimulation_Graphical.pptx
+++ b/doc/DDSimulation_Graphical.pptx
@@ -19,9 +19,12 @@
     <p:sldId id="265" r:id="rId13"/>
     <p:sldId id="264" r:id="rId14"/>
     <p:sldId id="270" r:id="rId15"/>
-    <p:sldId id="272" r:id="rId16"/>
-    <p:sldId id="271" r:id="rId17"/>
-    <p:sldId id="263" r:id="rId18"/>
+    <p:sldId id="273" r:id="rId16"/>
+    <p:sldId id="274" r:id="rId17"/>
+    <p:sldId id="275" r:id="rId18"/>
+    <p:sldId id="272" r:id="rId19"/>
+    <p:sldId id="271" r:id="rId20"/>
+    <p:sldId id="263" r:id="rId21"/>
   </p:sldIdLst>
   <p:sldSz cx="9144000" cy="6858000" type="screen4x3"/>
   <p:notesSz cx="6858000" cy="9144000"/>
@@ -304,7 +307,7 @@
           <a:p>
             <a:fld id="{022E4692-C727-B144-B040-60D9A52E845A}" type="datetimeFigureOut">
               <a:rPr lang="en-US" smtClean="0"/>
-              <a:t>12-03-20</a:t>
+              <a:t>3/21/2012</a:t>
             </a:fld>
             <a:endParaRPr lang="en-US"/>
           </a:p>
@@ -474,7 +477,7 @@
           <a:p>
             <a:fld id="{022E4692-C727-B144-B040-60D9A52E845A}" type="datetimeFigureOut">
               <a:rPr lang="en-US" smtClean="0"/>
-              <a:t>12-03-20</a:t>
+              <a:t>3/21/2012</a:t>
             </a:fld>
             <a:endParaRPr lang="en-US"/>
           </a:p>
@@ -654,7 +657,7 @@
           <a:p>
             <a:fld id="{022E4692-C727-B144-B040-60D9A52E845A}" type="datetimeFigureOut">
               <a:rPr lang="en-US" smtClean="0"/>
-              <a:t>12-03-20</a:t>
+              <a:t>3/21/2012</a:t>
             </a:fld>
             <a:endParaRPr lang="en-US"/>
           </a:p>
@@ -824,7 +827,7 @@
           <a:p>
             <a:fld id="{022E4692-C727-B144-B040-60D9A52E845A}" type="datetimeFigureOut">
               <a:rPr lang="en-US" smtClean="0"/>
-              <a:t>12-03-20</a:t>
+              <a:t>3/21/2012</a:t>
             </a:fld>
             <a:endParaRPr lang="en-US"/>
           </a:p>
@@ -1070,7 +1073,7 @@
           <a:p>
             <a:fld id="{022E4692-C727-B144-B040-60D9A52E845A}" type="datetimeFigureOut">
               <a:rPr lang="en-US" smtClean="0"/>
-              <a:t>12-03-20</a:t>
+              <a:t>3/21/2012</a:t>
             </a:fld>
             <a:endParaRPr lang="en-US"/>
           </a:p>
@@ -1358,7 +1361,7 @@
           <a:p>
             <a:fld id="{022E4692-C727-B144-B040-60D9A52E845A}" type="datetimeFigureOut">
               <a:rPr lang="en-US" smtClean="0"/>
-              <a:t>12-03-20</a:t>
+              <a:t>3/21/2012</a:t>
             </a:fld>
             <a:endParaRPr lang="en-US"/>
           </a:p>
@@ -1780,7 +1783,7 @@
           <a:p>
             <a:fld id="{022E4692-C727-B144-B040-60D9A52E845A}" type="datetimeFigureOut">
               <a:rPr lang="en-US" smtClean="0"/>
-              <a:t>12-03-20</a:t>
+              <a:t>3/21/2012</a:t>
             </a:fld>
             <a:endParaRPr lang="en-US"/>
           </a:p>
@@ -1898,7 +1901,7 @@
           <a:p>
             <a:fld id="{022E4692-C727-B144-B040-60D9A52E845A}" type="datetimeFigureOut">
               <a:rPr lang="en-US" smtClean="0"/>
-              <a:t>12-03-20</a:t>
+              <a:t>3/21/2012</a:t>
             </a:fld>
             <a:endParaRPr lang="en-US"/>
           </a:p>
@@ -1993,7 +1996,7 @@
           <a:p>
             <a:fld id="{022E4692-C727-B144-B040-60D9A52E845A}" type="datetimeFigureOut">
               <a:rPr lang="en-US" smtClean="0"/>
-              <a:t>12-03-20</a:t>
+              <a:t>3/21/2012</a:t>
             </a:fld>
             <a:endParaRPr lang="en-US"/>
           </a:p>
@@ -2270,7 +2273,7 @@
           <a:p>
             <a:fld id="{022E4692-C727-B144-B040-60D9A52E845A}" type="datetimeFigureOut">
               <a:rPr lang="en-US" smtClean="0"/>
-              <a:t>12-03-20</a:t>
+              <a:t>3/21/2012</a:t>
             </a:fld>
             <a:endParaRPr lang="en-US"/>
           </a:p>
@@ -2523,7 +2526,7 @@
           <a:p>
             <a:fld id="{022E4692-C727-B144-B040-60D9A52E845A}" type="datetimeFigureOut">
               <a:rPr lang="en-US" smtClean="0"/>
-              <a:t>12-03-20</a:t>
+              <a:t>3/21/2012</a:t>
             </a:fld>
             <a:endParaRPr lang="en-US"/>
           </a:p>
@@ -2736,7 +2739,7 @@
           <a:p>
             <a:fld id="{022E4692-C727-B144-B040-60D9A52E845A}" type="datetimeFigureOut">
               <a:rPr lang="en-US" smtClean="0"/>
-              <a:t>12-03-20</a:t>
+              <a:t>3/21/2012</a:t>
             </a:fld>
             <a:endParaRPr lang="en-US"/>
           </a:p>
@@ -3624,7 +3627,7 @@
           <a:p>
             <a:r>
               <a:rPr lang="en-US" dirty="0" smtClean="0"/>
-              <a:t>Included Plot</a:t>
+              <a:t>Gathering Data</a:t>
             </a:r>
             <a:endParaRPr lang="en-US" dirty="0"/>
           </a:p>
@@ -3642,43 +3645,69 @@
         </p:nvSpPr>
         <p:spPr/>
         <p:txBody>
-          <a:bodyPr/>
-          <a:lstStyle/>
-          <a:p>
+          <a:bodyPr>
+            <a:normAutofit lnSpcReduction="10000"/>
+          </a:bodyPr>
+          <a:lstStyle/>
+          <a:p>
+            <a:r>
+              <a:rPr lang="en-US" dirty="0" smtClean="0"/>
+              <a:t>An instance of the </a:t>
+            </a:r>
             <a:r>
               <a:rPr lang="en-US" dirty="0" err="1" smtClean="0"/>
-              <a:t>dd.ui.VariancePlot</a:t>
-            </a:r>
-            <a:r>
-              <a:rPr lang="en-US" dirty="0" smtClean="0"/>
-              <a:t> gives the node energy variance that implements the usage</a:t>
-            </a:r>
-          </a:p>
-          <a:p>
-            <a:r>
-              <a:rPr lang="en-US" dirty="0" smtClean="0"/>
-              <a:t>It extends </a:t>
-            </a:r>
+              <a:t>dd.ui.plot.NodeDataCollector</a:t>
+            </a:r>
+            <a:r>
+              <a:rPr lang="en-US" dirty="0" smtClean="0"/>
+              <a:t> gets the data, based on configurable timer</a:t>
+            </a:r>
+          </a:p>
+          <a:p>
+            <a:pPr lvl="1"/>
+            <a:r>
+              <a:rPr lang="en-US" dirty="0" smtClean="0"/>
+              <a:t>Gathers the node energy, registers the sum</a:t>
+            </a:r>
+          </a:p>
+          <a:p>
             <a:r>
               <a:rPr lang="en-US" dirty="0" err="1" smtClean="0"/>
-              <a:t>dd.ui.plot.PlotFrame</a:t>
-            </a:r>
-            <a:r>
-              <a:rPr lang="en-US" dirty="0" smtClean="0"/>
-              <a:t> to provide </a:t>
-            </a:r>
-            <a:r>
-              <a:rPr lang="en-US" smtClean="0"/>
-              <a:t>the plot</a:t>
-            </a:r>
-            <a:endParaRPr lang="en-US" dirty="0"/>
+              <a:t>dd.ui.plot.VarianceCollector</a:t>
+            </a:r>
+            <a:r>
+              <a:rPr lang="en-US" dirty="0" smtClean="0"/>
+              <a:t> - similar operation, registers the variance of data instead though</a:t>
+            </a:r>
+          </a:p>
+          <a:p>
+            <a:r>
+              <a:rPr lang="en-US" dirty="0" err="1" smtClean="0"/>
+              <a:t>NodeDataCollector</a:t>
+            </a:r>
+            <a:r>
+              <a:rPr lang="en-US" dirty="0" smtClean="0"/>
+              <a:t> derives from </a:t>
+            </a:r>
+            <a:r>
+              <a:rPr lang="en-US" dirty="0" err="1" smtClean="0"/>
+              <a:t>ADataCollector</a:t>
+            </a:r>
+            <a:r>
+              <a:rPr lang="en-US" dirty="0"/>
+              <a:t> </a:t>
+            </a:r>
+            <a:r>
+              <a:rPr lang="en-US" dirty="0" smtClean="0"/>
+              <a:t>(JChart2D library) </a:t>
+            </a:r>
           </a:p>
         </p:txBody>
       </p:sp>
     </p:spTree>
     <p:extLst>
       <p:ext uri="{BB962C8B-B14F-4D97-AF65-F5344CB8AC3E}">
-        <p14:creationId xmlns:p14="http://schemas.microsoft.com/office/powerpoint/2010/main" val="924463522"/>
+        <p14:creationId xmlns:p14="http://schemas.microsoft.com/office/powerpoint/2010/main" val="2685713138"/>
       </p:ext>
     </p:extLst>
   </p:cSld>
@@ -3707,7 +3736,7 @@
       </p:grpSpPr>
       <p:sp>
         <p:nvSpPr>
-          <p:cNvPr id="4" name="Title 3"/>
+          <p:cNvPr id="2" name="Title 1"/>
           <p:cNvSpPr>
             <a:spLocks noGrp="1"/>
           </p:cNvSpPr>
@@ -3722,7 +3751,7 @@
           <a:p>
             <a:r>
               <a:rPr lang="en-US" dirty="0" smtClean="0"/>
-              <a:t>Changing Plots</a:t>
+              <a:t>Data Gathering Classes</a:t>
             </a:r>
             <a:endParaRPr lang="en-US" dirty="0"/>
           </a:p>
@@ -3730,7 +3759,7 @@
       </p:sp>
       <p:sp>
         <p:nvSpPr>
-          <p:cNvPr id="5" name="Content Placeholder 4"/>
+          <p:cNvPr id="3" name="Content Placeholder 2"/>
           <p:cNvSpPr>
             <a:spLocks noGrp="1"/>
           </p:cNvSpPr>
@@ -3744,20 +3773,12 @@
           <a:lstStyle/>
           <a:p>
             <a:r>
-              <a:rPr lang="en-US" dirty="0" err="1" smtClean="0"/>
-              <a:t>getTrace</a:t>
-            </a:r>
-            <a:r>
-              <a:rPr lang="en-US" dirty="0" smtClean="0"/>
-              <a:t> is fallback – use only when </a:t>
-            </a:r>
-            <a:r>
-              <a:rPr lang="en-US" dirty="0" err="1" smtClean="0"/>
-              <a:t>accessor</a:t>
-            </a:r>
-            <a:r>
-              <a:rPr lang="en-US" dirty="0" smtClean="0"/>
-              <a:t> does not meet requirements</a:t>
+              <a:rPr lang="en-US" dirty="0" smtClean="0"/>
+              <a:t>TODO class diagrams for </a:t>
+            </a:r>
+            <a:r>
+              <a:rPr lang="en-US" smtClean="0"/>
+              <a:t>these classes</a:t>
             </a:r>
             <a:endParaRPr lang="en-US" dirty="0"/>
           </a:p>
@@ -3766,7 +3787,7 @@
     </p:spTree>
     <p:extLst>
       <p:ext uri="{BB962C8B-B14F-4D97-AF65-F5344CB8AC3E}">
-        <p14:creationId xmlns:p14="http://schemas.microsoft.com/office/powerpoint/2010/main" val="2738371152"/>
+        <p14:creationId xmlns:p14="http://schemas.microsoft.com/office/powerpoint/2010/main" val="850409464"/>
       </p:ext>
     </p:extLst>
   </p:cSld>
@@ -3810,7 +3831,7 @@
           <a:p>
             <a:r>
               <a:rPr lang="en-US" dirty="0" smtClean="0"/>
-              <a:t>Resources</a:t>
+              <a:t>Setting Collector</a:t>
             </a:r>
             <a:endParaRPr lang="en-US" dirty="0"/>
           </a:p>
@@ -3832,76 +3853,27 @@
           <a:lstStyle/>
           <a:p>
             <a:r>
-              <a:rPr lang="en-US" dirty="0" smtClean="0"/>
-              <a:t>For Java swing programming:</a:t>
-            </a:r>
-          </a:p>
-          <a:p>
-            <a:pPr lvl="1"/>
-            <a:r>
-              <a:rPr lang="en-US" dirty="0" smtClean="0"/>
-              <a:t>http://</a:t>
-            </a:r>
-            <a:r>
               <a:rPr lang="en-US" dirty="0" err="1" smtClean="0"/>
-              <a:t>docs.oracle.com</a:t>
-            </a:r>
-            <a:r>
-              <a:rPr lang="en-US" dirty="0" smtClean="0"/>
-              <a:t>/</a:t>
+              <a:t>PlotFrame</a:t>
+            </a:r>
+            <a:r>
+              <a:rPr lang="en-US" dirty="0" smtClean="0"/>
+              <a:t> calls </a:t>
             </a:r>
             <a:r>
               <a:rPr lang="en-US" dirty="0" err="1" smtClean="0"/>
-              <a:t>javase</a:t>
-            </a:r>
-            <a:r>
-              <a:rPr lang="en-US" dirty="0" smtClean="0"/>
-              <a:t>/tutorial/</a:t>
-            </a:r>
-            <a:r>
-              <a:rPr lang="en-US" dirty="0" err="1" smtClean="0"/>
-              <a:t>uiswing</a:t>
-            </a:r>
-            <a:r>
-              <a:rPr lang="en-US" dirty="0" smtClean="0"/>
-              <a:t>/</a:t>
-            </a:r>
-          </a:p>
-          <a:p>
-            <a:r>
-              <a:rPr lang="en-US" dirty="0" smtClean="0"/>
-              <a:t>For Chart2D:</a:t>
-            </a:r>
-          </a:p>
-          <a:p>
-            <a:pPr lvl="1"/>
-            <a:r>
-              <a:rPr lang="en-US" dirty="0" smtClean="0">
-                <a:hlinkClick r:id="rId2"/>
-              </a:rPr>
-              <a:t>http://jchart2d.sourceforge.net/</a:t>
-            </a:r>
-            <a:endParaRPr lang="en-US" dirty="0" smtClean="0"/>
-          </a:p>
-          <a:p>
-            <a:pPr lvl="1"/>
-            <a:r>
-              <a:rPr lang="en-US" dirty="0" smtClean="0"/>
-              <a:t>API Documentation: </a:t>
-            </a:r>
-            <a:r>
-              <a:rPr lang="en-US" dirty="0" smtClean="0">
-                <a:hlinkClick r:id="rId3"/>
-              </a:rPr>
-              <a:t>http://jchart2d.sourceforge.net/docs/javadoc/index.html</a:t>
-            </a:r>
-            <a:endParaRPr lang="en-US" dirty="0" smtClean="0"/>
-          </a:p>
-          <a:p>
-            <a:pPr lvl="1"/>
-            <a:endParaRPr lang="en-US" dirty="0" smtClean="0"/>
-          </a:p>
-          <a:p>
+              <a:t>setCollector</a:t>
+            </a:r>
+            <a:r>
+              <a:rPr lang="en-US" dirty="0" smtClean="0"/>
+              <a:t>(nodes, latency) as part of it’s initialization (after the trace is configured)</a:t>
+            </a:r>
+          </a:p>
+          <a:p>
+            <a:r>
+              <a:rPr lang="en-US" dirty="0" smtClean="0"/>
+              <a:t>Override the method to use a custom collector</a:t>
+            </a:r>
             <a:endParaRPr lang="en-US" dirty="0"/>
           </a:p>
         </p:txBody>
@@ -3909,7 +3881,221 @@
     </p:spTree>
     <p:extLst>
       <p:ext uri="{BB962C8B-B14F-4D97-AF65-F5344CB8AC3E}">
-        <p14:creationId xmlns:p14="http://schemas.microsoft.com/office/powerpoint/2010/main" val="440844422"/>
+        <p14:creationId xmlns:p14="http://schemas.microsoft.com/office/powerpoint/2010/main" val="3782583301"/>
+      </p:ext>
+    </p:extLst>
+  </p:cSld>
+  <p:clrMapOvr>
+    <a:masterClrMapping/>
+  </p:clrMapOvr>
+</p:sld>
+</file>
+
+<file path=ppt/slides/slide18.xml><?xml version="1.0" encoding="utf-8"?>
+<p:sld xmlns:a="http://schemas.openxmlformats.org/drawingml/2006/main" xmlns:r="http://schemas.openxmlformats.org/officeDocument/2006/relationships" xmlns:p="http://schemas.openxmlformats.org/presentationml/2006/main">
+  <p:cSld>
+    <p:spTree>
+      <p:nvGrpSpPr>
+        <p:cNvPr id="1" name=""/>
+        <p:cNvGrpSpPr/>
+        <p:nvPr/>
+      </p:nvGrpSpPr>
+      <p:grpSpPr>
+        <a:xfrm>
+          <a:off x="0" y="0"/>
+          <a:ext cx="0" cy="0"/>
+          <a:chOff x="0" y="0"/>
+          <a:chExt cx="0" cy="0"/>
+        </a:xfrm>
+      </p:grpSpPr>
+      <p:sp>
+        <p:nvSpPr>
+          <p:cNvPr id="4" name="Title 3"/>
+          <p:cNvSpPr>
+            <a:spLocks noGrp="1"/>
+          </p:cNvSpPr>
+          <p:nvPr>
+            <p:ph type="title"/>
+          </p:nvPr>
+        </p:nvSpPr>
+        <p:spPr/>
+        <p:txBody>
+          <a:bodyPr/>
+          <a:lstStyle/>
+          <a:p>
+            <a:r>
+              <a:rPr lang="en-US" dirty="0" smtClean="0"/>
+              <a:t>Included Plot</a:t>
+            </a:r>
+            <a:endParaRPr lang="en-US" dirty="0"/>
+          </a:p>
+        </p:txBody>
+      </p:sp>
+      <p:sp>
+        <p:nvSpPr>
+          <p:cNvPr id="5" name="Content Placeholder 4"/>
+          <p:cNvSpPr>
+            <a:spLocks noGrp="1"/>
+          </p:cNvSpPr>
+          <p:nvPr>
+            <p:ph idx="1"/>
+          </p:nvPr>
+        </p:nvSpPr>
+        <p:spPr/>
+        <p:txBody>
+          <a:bodyPr/>
+          <a:lstStyle/>
+          <a:p>
+            <a:r>
+              <a:rPr lang="en-US" dirty="0" err="1" smtClean="0"/>
+              <a:t>dd.ui.VariancePlot</a:t>
+            </a:r>
+            <a:r>
+              <a:rPr lang="en-US" dirty="0" smtClean="0"/>
+              <a:t> gives the node energy variance that implements the usage</a:t>
+            </a:r>
+          </a:p>
+          <a:p>
+            <a:r>
+              <a:rPr lang="en-US" dirty="0" smtClean="0"/>
+              <a:t>extend</a:t>
+            </a:r>
+            <a:r>
+              <a:rPr lang="en-US" dirty="0" smtClean="0"/>
+              <a:t>s </a:t>
+            </a:r>
+            <a:r>
+              <a:rPr lang="en-US" dirty="0" err="1" smtClean="0"/>
+              <a:t>dd.ui.plot.PlotFrame</a:t>
+            </a:r>
+            <a:r>
+              <a:rPr lang="en-US" dirty="0" smtClean="0"/>
+              <a:t> to provide the </a:t>
+            </a:r>
+            <a:r>
+              <a:rPr lang="en-US" dirty="0" smtClean="0"/>
+              <a:t>plot</a:t>
+            </a:r>
+          </a:p>
+          <a:p>
+            <a:pPr lvl="1"/>
+            <a:r>
+              <a:rPr lang="en-US" dirty="0" smtClean="0"/>
+              <a:t>Includes a title pane, the chart and start/stop control</a:t>
+            </a:r>
+          </a:p>
+        </p:txBody>
+      </p:sp>
+    </p:spTree>
+    <p:extLst>
+      <p:ext uri="{BB962C8B-B14F-4D97-AF65-F5344CB8AC3E}">
+        <p14:creationId xmlns:p14="http://schemas.microsoft.com/office/powerpoint/2010/main" val="924463522"/>
+      </p:ext>
+    </p:extLst>
+  </p:cSld>
+  <p:clrMapOvr>
+    <a:masterClrMapping/>
+  </p:clrMapOvr>
+</p:sld>
+</file>
+
+<file path=ppt/slides/slide19.xml><?xml version="1.0" encoding="utf-8"?>
+<p:sld xmlns:a="http://schemas.openxmlformats.org/drawingml/2006/main" xmlns:r="http://schemas.openxmlformats.org/officeDocument/2006/relationships" xmlns:p="http://schemas.openxmlformats.org/presentationml/2006/main">
+  <p:cSld>
+    <p:spTree>
+      <p:nvGrpSpPr>
+        <p:cNvPr id="1" name=""/>
+        <p:cNvGrpSpPr/>
+        <p:nvPr/>
+      </p:nvGrpSpPr>
+      <p:grpSpPr>
+        <a:xfrm>
+          <a:off x="0" y="0"/>
+          <a:ext cx="0" cy="0"/>
+          <a:chOff x="0" y="0"/>
+          <a:chExt cx="0" cy="0"/>
+        </a:xfrm>
+      </p:grpSpPr>
+      <p:sp>
+        <p:nvSpPr>
+          <p:cNvPr id="4" name="Title 3"/>
+          <p:cNvSpPr>
+            <a:spLocks noGrp="1"/>
+          </p:cNvSpPr>
+          <p:nvPr>
+            <p:ph type="title"/>
+          </p:nvPr>
+        </p:nvSpPr>
+        <p:spPr/>
+        <p:txBody>
+          <a:bodyPr/>
+          <a:lstStyle/>
+          <a:p>
+            <a:r>
+              <a:rPr lang="en-US" dirty="0" smtClean="0"/>
+              <a:t>Changing Plots</a:t>
+            </a:r>
+            <a:endParaRPr lang="en-US" dirty="0"/>
+          </a:p>
+        </p:txBody>
+      </p:sp>
+      <p:sp>
+        <p:nvSpPr>
+          <p:cNvPr id="5" name="Content Placeholder 4"/>
+          <p:cNvSpPr>
+            <a:spLocks noGrp="1"/>
+          </p:cNvSpPr>
+          <p:nvPr>
+            <p:ph idx="1"/>
+          </p:nvPr>
+        </p:nvSpPr>
+        <p:spPr/>
+        <p:txBody>
+          <a:bodyPr/>
+          <a:lstStyle/>
+          <a:p>
+            <a:r>
+              <a:rPr lang="en-US" dirty="0" err="1" smtClean="0"/>
+              <a:t>getTrace</a:t>
+            </a:r>
+            <a:r>
+              <a:rPr lang="en-US" dirty="0" smtClean="0"/>
+              <a:t> </a:t>
+            </a:r>
+            <a:r>
+              <a:rPr lang="en-US" dirty="0" smtClean="0"/>
+              <a:t>is fallback – use only when </a:t>
+            </a:r>
+            <a:r>
+              <a:rPr lang="en-US" dirty="0" err="1" smtClean="0"/>
+              <a:t>accessors</a:t>
+            </a:r>
+            <a:r>
+              <a:rPr lang="en-US" dirty="0" smtClean="0"/>
+              <a:t> do not </a:t>
+            </a:r>
+            <a:r>
+              <a:rPr lang="en-US" dirty="0" smtClean="0"/>
+              <a:t>meet </a:t>
+            </a:r>
+            <a:r>
+              <a:rPr lang="en-US" dirty="0" smtClean="0"/>
+              <a:t>requirements</a:t>
+            </a:r>
+          </a:p>
+          <a:p>
+            <a:r>
+              <a:rPr lang="en-US" dirty="0" smtClean="0"/>
+              <a:t>Various methods for updating things </a:t>
+            </a:r>
+            <a:endParaRPr lang="en-US" dirty="0"/>
+          </a:p>
+        </p:txBody>
+      </p:sp>
+    </p:spTree>
+    <p:extLst>
+      <p:ext uri="{BB962C8B-B14F-4D97-AF65-F5344CB8AC3E}">
+        <p14:creationId xmlns:p14="http://schemas.microsoft.com/office/powerpoint/2010/main" val="2738371152"/>
       </p:ext>
     </p:extLst>
   </p:cSld>
@@ -4021,6 +4207,149 @@
     <p:extLst>
       <p:ext uri="{BB962C8B-B14F-4D97-AF65-F5344CB8AC3E}">
         <p14:creationId xmlns:p14="http://schemas.microsoft.com/office/powerpoint/2010/main" val="3129238097"/>
+      </p:ext>
+    </p:extLst>
+  </p:cSld>
+  <p:clrMapOvr>
+    <a:masterClrMapping/>
+  </p:clrMapOvr>
+</p:sld>
+</file>
+
+<file path=ppt/slides/slide20.xml><?xml version="1.0" encoding="utf-8"?>
+<p:sld xmlns:a="http://schemas.openxmlformats.org/drawingml/2006/main" xmlns:r="http://schemas.openxmlformats.org/officeDocument/2006/relationships" xmlns:p="http://schemas.openxmlformats.org/presentationml/2006/main">
+  <p:cSld>
+    <p:spTree>
+      <p:nvGrpSpPr>
+        <p:cNvPr id="1" name=""/>
+        <p:cNvGrpSpPr/>
+        <p:nvPr/>
+      </p:nvGrpSpPr>
+      <p:grpSpPr>
+        <a:xfrm>
+          <a:off x="0" y="0"/>
+          <a:ext cx="0" cy="0"/>
+          <a:chOff x="0" y="0"/>
+          <a:chExt cx="0" cy="0"/>
+        </a:xfrm>
+      </p:grpSpPr>
+      <p:sp>
+        <p:nvSpPr>
+          <p:cNvPr id="2" name="Title 1"/>
+          <p:cNvSpPr>
+            <a:spLocks noGrp="1"/>
+          </p:cNvSpPr>
+          <p:nvPr>
+            <p:ph type="title"/>
+          </p:nvPr>
+        </p:nvSpPr>
+        <p:spPr/>
+        <p:txBody>
+          <a:bodyPr/>
+          <a:lstStyle/>
+          <a:p>
+            <a:r>
+              <a:rPr lang="en-US" dirty="0" smtClean="0"/>
+              <a:t>Resources</a:t>
+            </a:r>
+            <a:endParaRPr lang="en-US" dirty="0"/>
+          </a:p>
+        </p:txBody>
+      </p:sp>
+      <p:sp>
+        <p:nvSpPr>
+          <p:cNvPr id="3" name="Content Placeholder 2"/>
+          <p:cNvSpPr>
+            <a:spLocks noGrp="1"/>
+          </p:cNvSpPr>
+          <p:nvPr>
+            <p:ph idx="1"/>
+          </p:nvPr>
+        </p:nvSpPr>
+        <p:spPr/>
+        <p:txBody>
+          <a:bodyPr/>
+          <a:lstStyle/>
+          <a:p>
+            <a:r>
+              <a:rPr lang="en-US" dirty="0" smtClean="0"/>
+              <a:t>For Java swing programming:</a:t>
+            </a:r>
+          </a:p>
+          <a:p>
+            <a:pPr lvl="1"/>
+            <a:r>
+              <a:rPr lang="en-US" dirty="0" smtClean="0"/>
+              <a:t>http://</a:t>
+            </a:r>
+            <a:r>
+              <a:rPr lang="en-US" dirty="0" err="1" smtClean="0"/>
+              <a:t>docs.oracle.com</a:t>
+            </a:r>
+            <a:r>
+              <a:rPr lang="en-US" dirty="0" smtClean="0"/>
+              <a:t>/</a:t>
+            </a:r>
+            <a:r>
+              <a:rPr lang="en-US" dirty="0" err="1" smtClean="0"/>
+              <a:t>javase</a:t>
+            </a:r>
+            <a:r>
+              <a:rPr lang="en-US" dirty="0" smtClean="0"/>
+              <a:t>/tutorial/</a:t>
+            </a:r>
+            <a:r>
+              <a:rPr lang="en-US" dirty="0" err="1" smtClean="0"/>
+              <a:t>uiswing</a:t>
+            </a:r>
+            <a:r>
+              <a:rPr lang="en-US" dirty="0" smtClean="0"/>
+              <a:t>/</a:t>
+            </a:r>
+          </a:p>
+          <a:p>
+            <a:r>
+              <a:rPr lang="en-US" dirty="0" smtClean="0"/>
+              <a:t>For Chart2D:</a:t>
+            </a:r>
+          </a:p>
+          <a:p>
+            <a:pPr lvl="1"/>
+            <a:r>
+              <a:rPr lang="en-US" dirty="0" smtClean="0">
+                <a:hlinkClick r:id="rId2"/>
+              </a:rPr>
+              <a:t>http://jchart2d.sourceforge.net/</a:t>
+            </a:r>
+            <a:endParaRPr lang="en-US" dirty="0" smtClean="0"/>
+          </a:p>
+          <a:p>
+            <a:pPr lvl="1"/>
+            <a:r>
+              <a:rPr lang="en-US" dirty="0" smtClean="0"/>
+              <a:t>API Documentation: </a:t>
+            </a:r>
+            <a:r>
+              <a:rPr lang="en-US" dirty="0" smtClean="0">
+                <a:hlinkClick r:id="rId3"/>
+              </a:rPr>
+              <a:t>http://jchart2d.sourceforge.net/docs/javadoc/index.html</a:t>
+            </a:r>
+            <a:endParaRPr lang="en-US" dirty="0" smtClean="0"/>
+          </a:p>
+          <a:p>
+            <a:pPr lvl="1"/>
+            <a:endParaRPr lang="en-US" dirty="0" smtClean="0"/>
+          </a:p>
+          <a:p>
+            <a:endParaRPr lang="en-US" dirty="0"/>
+          </a:p>
+        </p:txBody>
+      </p:sp>
+    </p:spTree>
+    <p:extLst>
+      <p:ext uri="{BB962C8B-B14F-4D97-AF65-F5344CB8AC3E}">
+        <p14:creationId xmlns:p14="http://schemas.microsoft.com/office/powerpoint/2010/main" val="440844422"/>
       </p:ext>
     </p:extLst>
   </p:cSld>
@@ -4264,11 +4593,7 @@
             </a:r>
             <a:r>
               <a:rPr lang="en-US" dirty="0" smtClean="0"/>
-              <a:t>: a basic example with the JChart2D </a:t>
-            </a:r>
-            <a:r>
-              <a:rPr lang="en-US" dirty="0" smtClean="0"/>
-              <a:t>library</a:t>
+              <a:t>: a basic example with the JChart2D library</a:t>
             </a:r>
           </a:p>
           <a:p>
